--- a/최소확률변수 임용고시 2019.pptx
+++ b/최소확률변수 임용고시 2019.pptx
@@ -8,7 +8,13 @@
     <p:sldId id="256" r:id="rId2"/>
     <p:sldId id="259" r:id="rId3"/>
     <p:sldId id="257" r:id="rId4"/>
-    <p:sldId id="258" r:id="rId5"/>
+    <p:sldId id="263" r:id="rId5"/>
+    <p:sldId id="264" r:id="rId6"/>
+    <p:sldId id="265" r:id="rId7"/>
+    <p:sldId id="266" r:id="rId8"/>
+    <p:sldId id="267" r:id="rId9"/>
+    <p:sldId id="268" r:id="rId10"/>
+    <p:sldId id="269" r:id="rId11"/>
   </p:sldIdLst>
   <p:sldSz cx="12192000" cy="6858000"/>
   <p:notesSz cx="6858000" cy="9144000"/>
@@ -246,7 +252,7 @@
           <a:p>
             <a:fld id="{5B3AD1D6-AE87-C841-B3FD-7C9F7FCAE5AE}" type="datetimeFigureOut">
               <a:rPr lang="en-US" smtClean="0"/>
-              <a:t>12/15/19</a:t>
+              <a:t>12/17/19</a:t>
             </a:fld>
             <a:endParaRPr lang="en-US"/>
           </a:p>
@@ -416,7 +422,7 @@
           <a:p>
             <a:fld id="{5B3AD1D6-AE87-C841-B3FD-7C9F7FCAE5AE}" type="datetimeFigureOut">
               <a:rPr lang="en-US" smtClean="0"/>
-              <a:t>12/15/19</a:t>
+              <a:t>12/17/19</a:t>
             </a:fld>
             <a:endParaRPr lang="en-US"/>
           </a:p>
@@ -596,7 +602,7 @@
           <a:p>
             <a:fld id="{5B3AD1D6-AE87-C841-B3FD-7C9F7FCAE5AE}" type="datetimeFigureOut">
               <a:rPr lang="en-US" smtClean="0"/>
-              <a:t>12/15/19</a:t>
+              <a:t>12/17/19</a:t>
             </a:fld>
             <a:endParaRPr lang="en-US"/>
           </a:p>
@@ -766,7 +772,7 @@
           <a:p>
             <a:fld id="{5B3AD1D6-AE87-C841-B3FD-7C9F7FCAE5AE}" type="datetimeFigureOut">
               <a:rPr lang="en-US" smtClean="0"/>
-              <a:t>12/15/19</a:t>
+              <a:t>12/17/19</a:t>
             </a:fld>
             <a:endParaRPr lang="en-US"/>
           </a:p>
@@ -1012,7 +1018,7 @@
           <a:p>
             <a:fld id="{5B3AD1D6-AE87-C841-B3FD-7C9F7FCAE5AE}" type="datetimeFigureOut">
               <a:rPr lang="en-US" smtClean="0"/>
-              <a:t>12/15/19</a:t>
+              <a:t>12/17/19</a:t>
             </a:fld>
             <a:endParaRPr lang="en-US"/>
           </a:p>
@@ -1244,7 +1250,7 @@
           <a:p>
             <a:fld id="{5B3AD1D6-AE87-C841-B3FD-7C9F7FCAE5AE}" type="datetimeFigureOut">
               <a:rPr lang="en-US" smtClean="0"/>
-              <a:t>12/15/19</a:t>
+              <a:t>12/17/19</a:t>
             </a:fld>
             <a:endParaRPr lang="en-US"/>
           </a:p>
@@ -1611,7 +1617,7 @@
           <a:p>
             <a:fld id="{5B3AD1D6-AE87-C841-B3FD-7C9F7FCAE5AE}" type="datetimeFigureOut">
               <a:rPr lang="en-US" smtClean="0"/>
-              <a:t>12/15/19</a:t>
+              <a:t>12/17/19</a:t>
             </a:fld>
             <a:endParaRPr lang="en-US"/>
           </a:p>
@@ -1729,7 +1735,7 @@
           <a:p>
             <a:fld id="{5B3AD1D6-AE87-C841-B3FD-7C9F7FCAE5AE}" type="datetimeFigureOut">
               <a:rPr lang="en-US" smtClean="0"/>
-              <a:t>12/15/19</a:t>
+              <a:t>12/17/19</a:t>
             </a:fld>
             <a:endParaRPr lang="en-US"/>
           </a:p>
@@ -1824,7 +1830,7 @@
           <a:p>
             <a:fld id="{5B3AD1D6-AE87-C841-B3FD-7C9F7FCAE5AE}" type="datetimeFigureOut">
               <a:rPr lang="en-US" smtClean="0"/>
-              <a:t>12/15/19</a:t>
+              <a:t>12/17/19</a:t>
             </a:fld>
             <a:endParaRPr lang="en-US"/>
           </a:p>
@@ -2101,7 +2107,7 @@
           <a:p>
             <a:fld id="{5B3AD1D6-AE87-C841-B3FD-7C9F7FCAE5AE}" type="datetimeFigureOut">
               <a:rPr lang="en-US" smtClean="0"/>
-              <a:t>12/15/19</a:t>
+              <a:t>12/17/19</a:t>
             </a:fld>
             <a:endParaRPr lang="en-US"/>
           </a:p>
@@ -2354,7 +2360,7 @@
           <a:p>
             <a:fld id="{5B3AD1D6-AE87-C841-B3FD-7C9F7FCAE5AE}" type="datetimeFigureOut">
               <a:rPr lang="en-US" smtClean="0"/>
-              <a:t>12/15/19</a:t>
+              <a:t>12/17/19</a:t>
             </a:fld>
             <a:endParaRPr lang="en-US"/>
           </a:p>
@@ -2567,7 +2573,7 @@
           <a:p>
             <a:fld id="{5B3AD1D6-AE87-C841-B3FD-7C9F7FCAE5AE}" type="datetimeFigureOut">
               <a:rPr lang="en-US" smtClean="0"/>
-              <a:t>12/15/19</a:t>
+              <a:t>12/17/19</a:t>
             </a:fld>
             <a:endParaRPr lang="en-US"/>
           </a:p>
@@ -3195,23 +3201,7 @@
                 <a:ea typeface="Arial Black" charset="0"/>
                 <a:cs typeface="Arial Black" charset="0"/>
               </a:rPr>
-              <a:t>min </a:t>
-            </a:r>
-            <a:r>
-              <a:rPr lang="en-US" sz="6700" smtClean="0">
-                <a:latin typeface="Arial Black" charset="0"/>
-                <a:ea typeface="Arial Black" charset="0"/>
-                <a:cs typeface="Arial Black" charset="0"/>
-              </a:rPr>
-              <a:t>Random Variable</a:t>
-            </a:r>
-            <a:r>
-              <a:rPr lang="en-US" sz="6700" dirty="0" smtClean="0">
-                <a:latin typeface="Arial Black" charset="0"/>
-                <a:ea typeface="Arial Black" charset="0"/>
-                <a:cs typeface="Arial Black" charset="0"/>
-              </a:rPr>
-              <a:t/>
+              <a:t>min Random Variable</a:t>
             </a:r>
             <a:br>
               <a:rPr lang="en-US" sz="6700" dirty="0" smtClean="0">
@@ -3226,7 +3216,7 @@
                 <a:ea typeface="Arial Black" charset="0"/>
                 <a:cs typeface="Arial Black" charset="0"/>
               </a:rPr>
-              <a:t/>
+              <a:t>2019</a:t>
             </a:r>
             <a:br>
               <a:rPr lang="en-US" sz="6700" dirty="0" smtClean="0">
@@ -3279,6 +3269,80 @@
   <p:clrMapOvr>
     <a:masterClrMapping/>
   </p:clrMapOvr>
+  <p:timing>
+    <p:tnLst>
+      <p:par>
+        <p:cTn id="1" dur="indefinite" restart="never" nodeType="tmRoot"/>
+      </p:par>
+    </p:tnLst>
+  </p:timing>
+</p:sld>
+</file>
+
+<file path=ppt/slides/slide10.xml><?xml version="1.0" encoding="utf-8"?>
+<p:sld xmlns:a="http://schemas.openxmlformats.org/drawingml/2006/main" xmlns:r="http://schemas.openxmlformats.org/officeDocument/2006/relationships" xmlns:p="http://schemas.openxmlformats.org/presentationml/2006/main">
+  <p:cSld>
+    <p:spTree>
+      <p:nvGrpSpPr>
+        <p:cNvPr id="1" name=""/>
+        <p:cNvGrpSpPr/>
+        <p:nvPr/>
+      </p:nvGrpSpPr>
+      <p:grpSpPr>
+        <a:xfrm>
+          <a:off x="0" y="0"/>
+          <a:ext cx="0" cy="0"/>
+          <a:chOff x="0" y="0"/>
+          <a:chExt cx="0" cy="0"/>
+        </a:xfrm>
+      </p:grpSpPr>
+      <p:pic>
+        <p:nvPicPr>
+          <p:cNvPr id="6" name="Picture 5"/>
+          <p:cNvPicPr>
+            <a:picLocks noChangeAspect="1"/>
+          </p:cNvPicPr>
+          <p:nvPr/>
+        </p:nvPicPr>
+        <p:blipFill>
+          <a:blip r:embed="rId2">
+            <a:extLst>
+              <a:ext uri="{28A0092B-C50C-407E-A947-70E740481C1C}">
+                <a14:useLocalDpi xmlns:a14="http://schemas.microsoft.com/office/drawing/2010/main" val="0"/>
+              </a:ext>
+            </a:extLst>
+          </a:blip>
+          <a:stretch>
+            <a:fillRect/>
+          </a:stretch>
+        </p:blipFill>
+        <p:spPr>
+          <a:xfrm>
+            <a:off x="2568103" y="430992"/>
+            <a:ext cx="7413024" cy="6201627"/>
+          </a:xfrm>
+          <a:prstGeom prst="rect">
+            <a:avLst/>
+          </a:prstGeom>
+        </p:spPr>
+      </p:pic>
+    </p:spTree>
+    <p:extLst>
+      <p:ext uri="{BB962C8B-B14F-4D97-AF65-F5344CB8AC3E}">
+        <p14:creationId xmlns:p14="http://schemas.microsoft.com/office/powerpoint/2010/main" val="1601692509"/>
+      </p:ext>
+    </p:extLst>
+  </p:cSld>
+  <p:clrMapOvr>
+    <a:masterClrMapping/>
+  </p:clrMapOvr>
+  <p:timing>
+    <p:tnLst>
+      <p:par>
+        <p:cTn id="1" dur="indefinite" restart="never" nodeType="tmRoot"/>
+      </p:par>
+    </p:tnLst>
+  </p:timing>
 </p:sld>
 </file>
 
@@ -3534,6 +3598,13 @@
   <p:clrMapOvr>
     <a:masterClrMapping/>
   </p:clrMapOvr>
+  <p:timing>
+    <p:tnLst>
+      <p:par>
+        <p:cTn id="1" dur="indefinite" restart="never" nodeType="tmRoot"/>
+      </p:par>
+    </p:tnLst>
+  </p:timing>
 </p:sld>
 </file>
 
@@ -3556,7 +3627,7 @@
       </p:grpSpPr>
       <p:pic>
         <p:nvPicPr>
-          <p:cNvPr id="3" name="Picture 2"/>
+          <p:cNvPr id="6" name="Picture 5"/>
           <p:cNvPicPr>
             <a:picLocks noChangeAspect="1"/>
           </p:cNvPicPr>
@@ -3576,8 +3647,38 @@
         </p:blipFill>
         <p:spPr>
           <a:xfrm>
-            <a:off x="1066800" y="2942360"/>
-            <a:ext cx="10462646" cy="548326"/>
+            <a:off x="2568103" y="430992"/>
+            <a:ext cx="7413024" cy="6201627"/>
+          </a:xfrm>
+          <a:prstGeom prst="rect">
+            <a:avLst/>
+          </a:prstGeom>
+        </p:spPr>
+      </p:pic>
+      <p:pic>
+        <p:nvPicPr>
+          <p:cNvPr id="7" name="Picture 6"/>
+          <p:cNvPicPr>
+            <a:picLocks noChangeAspect="1"/>
+          </p:cNvPicPr>
+          <p:nvPr/>
+        </p:nvPicPr>
+        <p:blipFill>
+          <a:blip r:embed="rId3">
+            <a:extLst>
+              <a:ext uri="{28A0092B-C50C-407E-A947-70E740481C1C}">
+                <a14:useLocalDpi xmlns:a14="http://schemas.microsoft.com/office/drawing/2010/main" val="0"/>
+              </a:ext>
+            </a:extLst>
+          </a:blip>
+          <a:stretch>
+            <a:fillRect/>
+          </a:stretch>
+        </p:blipFill>
+        <p:spPr>
+          <a:xfrm>
+            <a:off x="437883" y="1403797"/>
+            <a:ext cx="10431886" cy="5087155"/>
           </a:xfrm>
           <a:prstGeom prst="rect">
             <a:avLst/>
@@ -3587,13 +3688,505 @@
     </p:spTree>
     <p:extLst>
       <p:ext uri="{BB962C8B-B14F-4D97-AF65-F5344CB8AC3E}">
-        <p14:creationId xmlns:p14="http://schemas.microsoft.com/office/powerpoint/2010/main" val="460980322"/>
+        <p14:creationId xmlns:p14="http://schemas.microsoft.com/office/powerpoint/2010/main" val="904420790"/>
       </p:ext>
     </p:extLst>
   </p:cSld>
   <p:clrMapOvr>
     <a:masterClrMapping/>
   </p:clrMapOvr>
+  <p:timing>
+    <p:tnLst>
+      <p:par>
+        <p:cTn id="1" dur="indefinite" restart="never" nodeType="tmRoot"/>
+      </p:par>
+    </p:tnLst>
+  </p:timing>
+</p:sld>
+</file>
+
+<file path=ppt/slides/slide5.xml><?xml version="1.0" encoding="utf-8"?>
+<p:sld xmlns:a="http://schemas.openxmlformats.org/drawingml/2006/main" xmlns:r="http://schemas.openxmlformats.org/officeDocument/2006/relationships" xmlns:p="http://schemas.openxmlformats.org/presentationml/2006/main">
+  <p:cSld>
+    <p:spTree>
+      <p:nvGrpSpPr>
+        <p:cNvPr id="1" name=""/>
+        <p:cNvGrpSpPr/>
+        <p:nvPr/>
+      </p:nvGrpSpPr>
+      <p:grpSpPr>
+        <a:xfrm>
+          <a:off x="0" y="0"/>
+          <a:ext cx="0" cy="0"/>
+          <a:chOff x="0" y="0"/>
+          <a:chExt cx="0" cy="0"/>
+        </a:xfrm>
+      </p:grpSpPr>
+      <p:pic>
+        <p:nvPicPr>
+          <p:cNvPr id="6" name="Picture 5"/>
+          <p:cNvPicPr>
+            <a:picLocks noChangeAspect="1"/>
+          </p:cNvPicPr>
+          <p:nvPr/>
+        </p:nvPicPr>
+        <p:blipFill>
+          <a:blip r:embed="rId2">
+            <a:extLst>
+              <a:ext uri="{28A0092B-C50C-407E-A947-70E740481C1C}">
+                <a14:useLocalDpi xmlns:a14="http://schemas.microsoft.com/office/drawing/2010/main" val="0"/>
+              </a:ext>
+            </a:extLst>
+          </a:blip>
+          <a:stretch>
+            <a:fillRect/>
+          </a:stretch>
+        </p:blipFill>
+        <p:spPr>
+          <a:xfrm>
+            <a:off x="2568103" y="430992"/>
+            <a:ext cx="7413024" cy="6201627"/>
+          </a:xfrm>
+          <a:prstGeom prst="rect">
+            <a:avLst/>
+          </a:prstGeom>
+        </p:spPr>
+      </p:pic>
+      <p:pic>
+        <p:nvPicPr>
+          <p:cNvPr id="7" name="Picture 6"/>
+          <p:cNvPicPr>
+            <a:picLocks noChangeAspect="1"/>
+          </p:cNvPicPr>
+          <p:nvPr/>
+        </p:nvPicPr>
+        <p:blipFill>
+          <a:blip r:embed="rId3">
+            <a:extLst>
+              <a:ext uri="{28A0092B-C50C-407E-A947-70E740481C1C}">
+                <a14:useLocalDpi xmlns:a14="http://schemas.microsoft.com/office/drawing/2010/main" val="0"/>
+              </a:ext>
+            </a:extLst>
+          </a:blip>
+          <a:stretch>
+            <a:fillRect/>
+          </a:stretch>
+        </p:blipFill>
+        <p:spPr>
+          <a:xfrm>
+            <a:off x="437883" y="2833352"/>
+            <a:ext cx="10431886" cy="3657600"/>
+          </a:xfrm>
+          <a:prstGeom prst="rect">
+            <a:avLst/>
+          </a:prstGeom>
+        </p:spPr>
+      </p:pic>
+    </p:spTree>
+    <p:extLst>
+      <p:ext uri="{BB962C8B-B14F-4D97-AF65-F5344CB8AC3E}">
+        <p14:creationId xmlns:p14="http://schemas.microsoft.com/office/powerpoint/2010/main" val="1520005518"/>
+      </p:ext>
+    </p:extLst>
+  </p:cSld>
+  <p:clrMapOvr>
+    <a:masterClrMapping/>
+  </p:clrMapOvr>
+  <p:timing>
+    <p:tnLst>
+      <p:par>
+        <p:cTn id="1" dur="indefinite" restart="never" nodeType="tmRoot"/>
+      </p:par>
+    </p:tnLst>
+  </p:timing>
+</p:sld>
+</file>
+
+<file path=ppt/slides/slide6.xml><?xml version="1.0" encoding="utf-8"?>
+<p:sld xmlns:a="http://schemas.openxmlformats.org/drawingml/2006/main" xmlns:r="http://schemas.openxmlformats.org/officeDocument/2006/relationships" xmlns:p="http://schemas.openxmlformats.org/presentationml/2006/main">
+  <p:cSld>
+    <p:spTree>
+      <p:nvGrpSpPr>
+        <p:cNvPr id="1" name=""/>
+        <p:cNvGrpSpPr/>
+        <p:nvPr/>
+      </p:nvGrpSpPr>
+      <p:grpSpPr>
+        <a:xfrm>
+          <a:off x="0" y="0"/>
+          <a:ext cx="0" cy="0"/>
+          <a:chOff x="0" y="0"/>
+          <a:chExt cx="0" cy="0"/>
+        </a:xfrm>
+      </p:grpSpPr>
+      <p:pic>
+        <p:nvPicPr>
+          <p:cNvPr id="6" name="Picture 5"/>
+          <p:cNvPicPr>
+            <a:picLocks noChangeAspect="1"/>
+          </p:cNvPicPr>
+          <p:nvPr/>
+        </p:nvPicPr>
+        <p:blipFill>
+          <a:blip r:embed="rId2">
+            <a:extLst>
+              <a:ext uri="{28A0092B-C50C-407E-A947-70E740481C1C}">
+                <a14:useLocalDpi xmlns:a14="http://schemas.microsoft.com/office/drawing/2010/main" val="0"/>
+              </a:ext>
+            </a:extLst>
+          </a:blip>
+          <a:stretch>
+            <a:fillRect/>
+          </a:stretch>
+        </p:blipFill>
+        <p:spPr>
+          <a:xfrm>
+            <a:off x="2568103" y="430992"/>
+            <a:ext cx="7413024" cy="6201627"/>
+          </a:xfrm>
+          <a:prstGeom prst="rect">
+            <a:avLst/>
+          </a:prstGeom>
+        </p:spPr>
+      </p:pic>
+      <p:pic>
+        <p:nvPicPr>
+          <p:cNvPr id="7" name="Picture 6"/>
+          <p:cNvPicPr>
+            <a:picLocks noChangeAspect="1"/>
+          </p:cNvPicPr>
+          <p:nvPr/>
+        </p:nvPicPr>
+        <p:blipFill>
+          <a:blip r:embed="rId3">
+            <a:extLst>
+              <a:ext uri="{28A0092B-C50C-407E-A947-70E740481C1C}">
+                <a14:useLocalDpi xmlns:a14="http://schemas.microsoft.com/office/drawing/2010/main" val="0"/>
+              </a:ext>
+            </a:extLst>
+          </a:blip>
+          <a:stretch>
+            <a:fillRect/>
+          </a:stretch>
+        </p:blipFill>
+        <p:spPr>
+          <a:xfrm>
+            <a:off x="437883" y="3915176"/>
+            <a:ext cx="10431886" cy="2575775"/>
+          </a:xfrm>
+          <a:prstGeom prst="rect">
+            <a:avLst/>
+          </a:prstGeom>
+        </p:spPr>
+      </p:pic>
+    </p:spTree>
+    <p:extLst>
+      <p:ext uri="{BB962C8B-B14F-4D97-AF65-F5344CB8AC3E}">
+        <p14:creationId xmlns:p14="http://schemas.microsoft.com/office/powerpoint/2010/main" val="2126472422"/>
+      </p:ext>
+    </p:extLst>
+  </p:cSld>
+  <p:clrMapOvr>
+    <a:masterClrMapping/>
+  </p:clrMapOvr>
+  <p:timing>
+    <p:tnLst>
+      <p:par>
+        <p:cTn id="1" dur="indefinite" restart="never" nodeType="tmRoot"/>
+      </p:par>
+    </p:tnLst>
+  </p:timing>
+</p:sld>
+</file>
+
+<file path=ppt/slides/slide7.xml><?xml version="1.0" encoding="utf-8"?>
+<p:sld xmlns:a="http://schemas.openxmlformats.org/drawingml/2006/main" xmlns:r="http://schemas.openxmlformats.org/officeDocument/2006/relationships" xmlns:p="http://schemas.openxmlformats.org/presentationml/2006/main">
+  <p:cSld>
+    <p:spTree>
+      <p:nvGrpSpPr>
+        <p:cNvPr id="1" name=""/>
+        <p:cNvGrpSpPr/>
+        <p:nvPr/>
+      </p:nvGrpSpPr>
+      <p:grpSpPr>
+        <a:xfrm>
+          <a:off x="0" y="0"/>
+          <a:ext cx="0" cy="0"/>
+          <a:chOff x="0" y="0"/>
+          <a:chExt cx="0" cy="0"/>
+        </a:xfrm>
+      </p:grpSpPr>
+      <p:pic>
+        <p:nvPicPr>
+          <p:cNvPr id="6" name="Picture 5"/>
+          <p:cNvPicPr>
+            <a:picLocks noChangeAspect="1"/>
+          </p:cNvPicPr>
+          <p:nvPr/>
+        </p:nvPicPr>
+        <p:blipFill>
+          <a:blip r:embed="rId2">
+            <a:extLst>
+              <a:ext uri="{28A0092B-C50C-407E-A947-70E740481C1C}">
+                <a14:useLocalDpi xmlns:a14="http://schemas.microsoft.com/office/drawing/2010/main" val="0"/>
+              </a:ext>
+            </a:extLst>
+          </a:blip>
+          <a:stretch>
+            <a:fillRect/>
+          </a:stretch>
+        </p:blipFill>
+        <p:spPr>
+          <a:xfrm>
+            <a:off x="2568103" y="430992"/>
+            <a:ext cx="7413024" cy="6201627"/>
+          </a:xfrm>
+          <a:prstGeom prst="rect">
+            <a:avLst/>
+          </a:prstGeom>
+        </p:spPr>
+      </p:pic>
+      <p:pic>
+        <p:nvPicPr>
+          <p:cNvPr id="7" name="Picture 6"/>
+          <p:cNvPicPr>
+            <a:picLocks noChangeAspect="1"/>
+          </p:cNvPicPr>
+          <p:nvPr/>
+        </p:nvPicPr>
+        <p:blipFill>
+          <a:blip r:embed="rId3">
+            <a:extLst>
+              <a:ext uri="{28A0092B-C50C-407E-A947-70E740481C1C}">
+                <a14:useLocalDpi xmlns:a14="http://schemas.microsoft.com/office/drawing/2010/main" val="0"/>
+              </a:ext>
+            </a:extLst>
+          </a:blip>
+          <a:stretch>
+            <a:fillRect/>
+          </a:stretch>
+        </p:blipFill>
+        <p:spPr>
+          <a:xfrm>
+            <a:off x="437883" y="4687910"/>
+            <a:ext cx="10431886" cy="1803041"/>
+          </a:xfrm>
+          <a:prstGeom prst="rect">
+            <a:avLst/>
+          </a:prstGeom>
+        </p:spPr>
+      </p:pic>
+    </p:spTree>
+    <p:extLst>
+      <p:ext uri="{BB962C8B-B14F-4D97-AF65-F5344CB8AC3E}">
+        <p14:creationId xmlns:p14="http://schemas.microsoft.com/office/powerpoint/2010/main" val="208600836"/>
+      </p:ext>
+    </p:extLst>
+  </p:cSld>
+  <p:clrMapOvr>
+    <a:masterClrMapping/>
+  </p:clrMapOvr>
+  <p:timing>
+    <p:tnLst>
+      <p:par>
+        <p:cTn id="1" dur="indefinite" restart="never" nodeType="tmRoot"/>
+      </p:par>
+    </p:tnLst>
+  </p:timing>
+</p:sld>
+</file>
+
+<file path=ppt/slides/slide8.xml><?xml version="1.0" encoding="utf-8"?>
+<p:sld xmlns:a="http://schemas.openxmlformats.org/drawingml/2006/main" xmlns:r="http://schemas.openxmlformats.org/officeDocument/2006/relationships" xmlns:p="http://schemas.openxmlformats.org/presentationml/2006/main">
+  <p:cSld>
+    <p:spTree>
+      <p:nvGrpSpPr>
+        <p:cNvPr id="1" name=""/>
+        <p:cNvGrpSpPr/>
+        <p:nvPr/>
+      </p:nvGrpSpPr>
+      <p:grpSpPr>
+        <a:xfrm>
+          <a:off x="0" y="0"/>
+          <a:ext cx="0" cy="0"/>
+          <a:chOff x="0" y="0"/>
+          <a:chExt cx="0" cy="0"/>
+        </a:xfrm>
+      </p:grpSpPr>
+      <p:pic>
+        <p:nvPicPr>
+          <p:cNvPr id="6" name="Picture 5"/>
+          <p:cNvPicPr>
+            <a:picLocks noChangeAspect="1"/>
+          </p:cNvPicPr>
+          <p:nvPr/>
+        </p:nvPicPr>
+        <p:blipFill>
+          <a:blip r:embed="rId2">
+            <a:extLst>
+              <a:ext uri="{28A0092B-C50C-407E-A947-70E740481C1C}">
+                <a14:useLocalDpi xmlns:a14="http://schemas.microsoft.com/office/drawing/2010/main" val="0"/>
+              </a:ext>
+            </a:extLst>
+          </a:blip>
+          <a:stretch>
+            <a:fillRect/>
+          </a:stretch>
+        </p:blipFill>
+        <p:spPr>
+          <a:xfrm>
+            <a:off x="2568103" y="430992"/>
+            <a:ext cx="7413024" cy="6201627"/>
+          </a:xfrm>
+          <a:prstGeom prst="rect">
+            <a:avLst/>
+          </a:prstGeom>
+        </p:spPr>
+      </p:pic>
+      <p:pic>
+        <p:nvPicPr>
+          <p:cNvPr id="7" name="Picture 6"/>
+          <p:cNvPicPr>
+            <a:picLocks noChangeAspect="1"/>
+          </p:cNvPicPr>
+          <p:nvPr/>
+        </p:nvPicPr>
+        <p:blipFill>
+          <a:blip r:embed="rId3">
+            <a:extLst>
+              <a:ext uri="{28A0092B-C50C-407E-A947-70E740481C1C}">
+                <a14:useLocalDpi xmlns:a14="http://schemas.microsoft.com/office/drawing/2010/main" val="0"/>
+              </a:ext>
+            </a:extLst>
+          </a:blip>
+          <a:stretch>
+            <a:fillRect/>
+          </a:stretch>
+        </p:blipFill>
+        <p:spPr>
+          <a:xfrm>
+            <a:off x="437883" y="5254580"/>
+            <a:ext cx="10431886" cy="1236371"/>
+          </a:xfrm>
+          <a:prstGeom prst="rect">
+            <a:avLst/>
+          </a:prstGeom>
+        </p:spPr>
+      </p:pic>
+    </p:spTree>
+    <p:extLst>
+      <p:ext uri="{BB962C8B-B14F-4D97-AF65-F5344CB8AC3E}">
+        <p14:creationId xmlns:p14="http://schemas.microsoft.com/office/powerpoint/2010/main" val="404962302"/>
+      </p:ext>
+    </p:extLst>
+  </p:cSld>
+  <p:clrMapOvr>
+    <a:masterClrMapping/>
+  </p:clrMapOvr>
+  <p:timing>
+    <p:tnLst>
+      <p:par>
+        <p:cTn id="1" dur="indefinite" restart="never" nodeType="tmRoot"/>
+      </p:par>
+    </p:tnLst>
+  </p:timing>
+</p:sld>
+</file>
+
+<file path=ppt/slides/slide9.xml><?xml version="1.0" encoding="utf-8"?>
+<p:sld xmlns:a="http://schemas.openxmlformats.org/drawingml/2006/main" xmlns:r="http://schemas.openxmlformats.org/officeDocument/2006/relationships" xmlns:p="http://schemas.openxmlformats.org/presentationml/2006/main">
+  <p:cSld>
+    <p:spTree>
+      <p:nvGrpSpPr>
+        <p:cNvPr id="1" name=""/>
+        <p:cNvGrpSpPr/>
+        <p:nvPr/>
+      </p:nvGrpSpPr>
+      <p:grpSpPr>
+        <a:xfrm>
+          <a:off x="0" y="0"/>
+          <a:ext cx="0" cy="0"/>
+          <a:chOff x="0" y="0"/>
+          <a:chExt cx="0" cy="0"/>
+        </a:xfrm>
+      </p:grpSpPr>
+      <p:pic>
+        <p:nvPicPr>
+          <p:cNvPr id="6" name="Picture 5"/>
+          <p:cNvPicPr>
+            <a:picLocks noChangeAspect="1"/>
+          </p:cNvPicPr>
+          <p:nvPr/>
+        </p:nvPicPr>
+        <p:blipFill>
+          <a:blip r:embed="rId2">
+            <a:extLst>
+              <a:ext uri="{28A0092B-C50C-407E-A947-70E740481C1C}">
+                <a14:useLocalDpi xmlns:a14="http://schemas.microsoft.com/office/drawing/2010/main" val="0"/>
+              </a:ext>
+            </a:extLst>
+          </a:blip>
+          <a:stretch>
+            <a:fillRect/>
+          </a:stretch>
+        </p:blipFill>
+        <p:spPr>
+          <a:xfrm>
+            <a:off x="2568103" y="430992"/>
+            <a:ext cx="7413024" cy="6201627"/>
+          </a:xfrm>
+          <a:prstGeom prst="rect">
+            <a:avLst/>
+          </a:prstGeom>
+        </p:spPr>
+      </p:pic>
+      <p:pic>
+        <p:nvPicPr>
+          <p:cNvPr id="7" name="Picture 6"/>
+          <p:cNvPicPr>
+            <a:picLocks noChangeAspect="1"/>
+          </p:cNvPicPr>
+          <p:nvPr/>
+        </p:nvPicPr>
+        <p:blipFill>
+          <a:blip r:embed="rId3">
+            <a:extLst>
+              <a:ext uri="{28A0092B-C50C-407E-A947-70E740481C1C}">
+                <a14:useLocalDpi xmlns:a14="http://schemas.microsoft.com/office/drawing/2010/main" val="0"/>
+              </a:ext>
+            </a:extLst>
+          </a:blip>
+          <a:stretch>
+            <a:fillRect/>
+          </a:stretch>
+        </p:blipFill>
+        <p:spPr>
+          <a:xfrm>
+            <a:off x="437883" y="5924282"/>
+            <a:ext cx="10431886" cy="566669"/>
+          </a:xfrm>
+          <a:prstGeom prst="rect">
+            <a:avLst/>
+          </a:prstGeom>
+        </p:spPr>
+      </p:pic>
+    </p:spTree>
+    <p:extLst>
+      <p:ext uri="{BB962C8B-B14F-4D97-AF65-F5344CB8AC3E}">
+        <p14:creationId xmlns:p14="http://schemas.microsoft.com/office/powerpoint/2010/main" val="1543129793"/>
+      </p:ext>
+    </p:extLst>
+  </p:cSld>
+  <p:clrMapOvr>
+    <a:masterClrMapping/>
+  </p:clrMapOvr>
+  <p:timing>
+    <p:tnLst>
+      <p:par>
+        <p:cTn id="1" dur="indefinite" restart="never" nodeType="tmRoot"/>
+      </p:par>
+    </p:tnLst>
+  </p:timing>
 </p:sld>
 </file>
 
